--- a/goal.pptx
+++ b/goal.pptx
@@ -6,7 +6,7 @@
   </p:sldMasterIdLst>
   <p:sldIdLst>
     <p:sldId id="256" r:id="rId2"/>
-    <p:sldId id="261" r:id="rId3"/>
+    <p:sldId id="262" r:id="rId3"/>
   </p:sldIdLst>
   <p:sldSz cx="12192000" cy="6858000"/>
   <p:notesSz cx="6858000" cy="9144000"/>
@@ -105,6 +105,11 @@
       </a:defRPr>
     </a:lvl9pPr>
   </p:defaultTextStyle>
+  <p:extLst>
+    <p:ext uri="{EFAFB233-063F-42B5-8137-9DF3F51BA10A}">
+      <p15:sldGuideLst xmlns:p15="http://schemas.microsoft.com/office/powerpoint/2012/main"/>
+    </p:ext>
+  </p:extLst>
 </p:presentation>
 </file>
 
@@ -4662,15 +4667,15 @@
         </p:spPr>
         <p:style>
           <a:lnRef idx="2">
-            <a:schemeClr val="accent3">
+            <a:schemeClr val="accent6">
               <a:shade val="50000"/>
             </a:schemeClr>
           </a:lnRef>
           <a:fillRef idx="1">
-            <a:schemeClr val="accent3"/>
+            <a:schemeClr val="accent6"/>
           </a:fillRef>
           <a:effectRef idx="0">
-            <a:schemeClr val="accent3"/>
+            <a:schemeClr val="accent6"/>
           </a:effectRef>
           <a:fontRef idx="minor">
             <a:schemeClr val="lt1"/>
@@ -4720,15 +4725,15 @@
         </p:spPr>
         <p:style>
           <a:lnRef idx="2">
-            <a:schemeClr val="accent3">
+            <a:schemeClr val="accent6">
               <a:shade val="50000"/>
             </a:schemeClr>
           </a:lnRef>
           <a:fillRef idx="1">
-            <a:schemeClr val="accent3"/>
+            <a:schemeClr val="accent6"/>
           </a:fillRef>
           <a:effectRef idx="0">
-            <a:schemeClr val="accent3"/>
+            <a:schemeClr val="accent6"/>
           </a:effectRef>
           <a:fontRef idx="minor">
             <a:schemeClr val="lt1"/>
@@ -5321,8 +5326,8 @@
         </p:nvSpPr>
         <p:spPr>
           <a:xfrm>
-            <a:off x="3149663" y="2726756"/>
-            <a:ext cx="2553904" cy="369332"/>
+            <a:off x="4870065" y="3158482"/>
+            <a:ext cx="1630575" cy="646331"/>
           </a:xfrm>
           <a:prstGeom prst="rect">
             <a:avLst/>
@@ -5350,7 +5355,22 @@
           <a:p>
             <a:r>
               <a:rPr kumimoji="1" lang="ja-JP" altLang="en-US" dirty="0" smtClean="0"/>
-              <a:t>本年度はここに取り組む</a:t>
+              <a:t>本年度</a:t>
+            </a:r>
+            <a:r>
+              <a:rPr kumimoji="1" lang="ja-JP" altLang="en-US" dirty="0" smtClean="0"/>
+              <a:t>は</a:t>
+            </a:r>
+            <a:endParaRPr kumimoji="1" lang="en-US" altLang="ja-JP" dirty="0" smtClean="0"/>
+          </a:p>
+          <a:p>
+            <a:r>
+              <a:rPr kumimoji="1" lang="ja-JP" altLang="en-US" dirty="0" smtClean="0"/>
+              <a:t>ここ</a:t>
+            </a:r>
+            <a:r>
+              <a:rPr kumimoji="1" lang="ja-JP" altLang="en-US" dirty="0" smtClean="0"/>
+              <a:t>に取り組む</a:t>
             </a:r>
             <a:endParaRPr kumimoji="1" lang="ja-JP" altLang="en-US" dirty="0"/>
           </a:p>
@@ -5364,7 +5384,7 @@
         </p:nvSpPr>
         <p:spPr>
           <a:xfrm>
-            <a:off x="6677496" y="2311257"/>
+            <a:off x="6717253" y="2021783"/>
             <a:ext cx="5255787" cy="1200329"/>
           </a:xfrm>
           <a:prstGeom prst="rect">
@@ -5487,8 +5507,8 @@
           <p:nvPr/>
         </p:nvSpPr>
         <p:spPr>
-          <a:xfrm>
-            <a:off x="5923820" y="2690080"/>
+          <a:xfrm rot="19579815">
+            <a:off x="6041974" y="2897767"/>
             <a:ext cx="650408" cy="443867"/>
           </a:xfrm>
           <a:prstGeom prst="rightArrow">
@@ -5520,10 +5540,48 @@
           </a:p>
         </p:txBody>
       </p:sp>
+      <p:sp>
+        <p:nvSpPr>
+          <p:cNvPr id="6" name="右中かっこ 5"/>
+          <p:cNvSpPr/>
+          <p:nvPr/>
+        </p:nvSpPr>
+        <p:spPr>
+          <a:xfrm>
+            <a:off x="4410458" y="2193740"/>
+            <a:ext cx="398238" cy="2635692"/>
+          </a:xfrm>
+          <a:prstGeom prst="rightBrace">
+            <a:avLst/>
+          </a:prstGeom>
+        </p:spPr>
+        <p:style>
+          <a:lnRef idx="1">
+            <a:schemeClr val="accent1"/>
+          </a:lnRef>
+          <a:fillRef idx="0">
+            <a:schemeClr val="accent1"/>
+          </a:fillRef>
+          <a:effectRef idx="0">
+            <a:schemeClr val="accent1"/>
+          </a:effectRef>
+          <a:fontRef idx="minor">
+            <a:schemeClr val="tx1"/>
+          </a:fontRef>
+        </p:style>
+        <p:txBody>
+          <a:bodyPr rtlCol="0" anchor="ctr"/>
+          <a:lstStyle/>
+          <a:p>
+            <a:pPr algn="ctr"/>
+            <a:endParaRPr kumimoji="1" lang="ja-JP" altLang="en-US"/>
+          </a:p>
+        </p:txBody>
+      </p:sp>
     </p:spTree>
     <p:extLst>
       <p:ext uri="{BB962C8B-B14F-4D97-AF65-F5344CB8AC3E}">
-        <p14:creationId xmlns:p14="http://schemas.microsoft.com/office/powerpoint/2010/main" val="3881902696"/>
+        <p14:creationId xmlns:p14="http://schemas.microsoft.com/office/powerpoint/2010/main" val="876148459"/>
       </p:ext>
     </p:extLst>
   </p:cSld>
